--- a/Serlization/Serlization.pptx
+++ b/Serlization/Serlization.pptx
@@ -107,6 +107,11 @@
       </a:defRPr>
     </a:lvl9pPr>
   </p:defaultTextStyle>
+  <p:extLst>
+    <p:ext uri="{EFAFB233-063F-42B5-8137-9DF3F51BA10A}">
+      <p15:sldGuideLst xmlns:p15="http://schemas.microsoft.com/office/powerpoint/2012/main"/>
+    </p:ext>
+  </p:extLst>
 </p:presentation>
 </file>
 
@@ -259,7 +264,7 @@
           <a:p>
             <a:fld id="{0652006C-A98F-4575-BA89-CA4CC11501AD}" type="datetimeFigureOut">
               <a:rPr lang="da-DK" smtClean="0"/>
-              <a:t>01-06-2018</a:t>
+              <a:t>02-06-2018</a:t>
             </a:fld>
             <a:endParaRPr lang="da-DK"/>
           </a:p>
@@ -459,7 +464,7 @@
           <a:p>
             <a:fld id="{0652006C-A98F-4575-BA89-CA4CC11501AD}" type="datetimeFigureOut">
               <a:rPr lang="da-DK" smtClean="0"/>
-              <a:t>01-06-2018</a:t>
+              <a:t>02-06-2018</a:t>
             </a:fld>
             <a:endParaRPr lang="da-DK"/>
           </a:p>
@@ -669,7 +674,7 @@
           <a:p>
             <a:fld id="{0652006C-A98F-4575-BA89-CA4CC11501AD}" type="datetimeFigureOut">
               <a:rPr lang="da-DK" smtClean="0"/>
-              <a:t>01-06-2018</a:t>
+              <a:t>02-06-2018</a:t>
             </a:fld>
             <a:endParaRPr lang="da-DK"/>
           </a:p>
@@ -869,7 +874,7 @@
           <a:p>
             <a:fld id="{0652006C-A98F-4575-BA89-CA4CC11501AD}" type="datetimeFigureOut">
               <a:rPr lang="da-DK" smtClean="0"/>
-              <a:t>01-06-2018</a:t>
+              <a:t>02-06-2018</a:t>
             </a:fld>
             <a:endParaRPr lang="da-DK"/>
           </a:p>
@@ -1145,7 +1150,7 @@
           <a:p>
             <a:fld id="{0652006C-A98F-4575-BA89-CA4CC11501AD}" type="datetimeFigureOut">
               <a:rPr lang="da-DK" smtClean="0"/>
-              <a:t>01-06-2018</a:t>
+              <a:t>02-06-2018</a:t>
             </a:fld>
             <a:endParaRPr lang="da-DK"/>
           </a:p>
@@ -1413,7 +1418,7 @@
           <a:p>
             <a:fld id="{0652006C-A98F-4575-BA89-CA4CC11501AD}" type="datetimeFigureOut">
               <a:rPr lang="da-DK" smtClean="0"/>
-              <a:t>01-06-2018</a:t>
+              <a:t>02-06-2018</a:t>
             </a:fld>
             <a:endParaRPr lang="da-DK"/>
           </a:p>
@@ -1828,7 +1833,7 @@
           <a:p>
             <a:fld id="{0652006C-A98F-4575-BA89-CA4CC11501AD}" type="datetimeFigureOut">
               <a:rPr lang="da-DK" smtClean="0"/>
-              <a:t>01-06-2018</a:t>
+              <a:t>02-06-2018</a:t>
             </a:fld>
             <a:endParaRPr lang="da-DK"/>
           </a:p>
@@ -1970,7 +1975,7 @@
           <a:p>
             <a:fld id="{0652006C-A98F-4575-BA89-CA4CC11501AD}" type="datetimeFigureOut">
               <a:rPr lang="da-DK" smtClean="0"/>
-              <a:t>01-06-2018</a:t>
+              <a:t>02-06-2018</a:t>
             </a:fld>
             <a:endParaRPr lang="da-DK"/>
           </a:p>
@@ -2083,7 +2088,7 @@
           <a:p>
             <a:fld id="{0652006C-A98F-4575-BA89-CA4CC11501AD}" type="datetimeFigureOut">
               <a:rPr lang="da-DK" smtClean="0"/>
-              <a:t>01-06-2018</a:t>
+              <a:t>02-06-2018</a:t>
             </a:fld>
             <a:endParaRPr lang="da-DK"/>
           </a:p>
@@ -2396,7 +2401,7 @@
           <a:p>
             <a:fld id="{0652006C-A98F-4575-BA89-CA4CC11501AD}" type="datetimeFigureOut">
               <a:rPr lang="da-DK" smtClean="0"/>
-              <a:t>01-06-2018</a:t>
+              <a:t>02-06-2018</a:t>
             </a:fld>
             <a:endParaRPr lang="da-DK"/>
           </a:p>
@@ -2685,7 +2690,7 @@
           <a:p>
             <a:fld id="{0652006C-A98F-4575-BA89-CA4CC11501AD}" type="datetimeFigureOut">
               <a:rPr lang="da-DK" smtClean="0"/>
-              <a:t>01-06-2018</a:t>
+              <a:t>02-06-2018</a:t>
             </a:fld>
             <a:endParaRPr lang="da-DK"/>
           </a:p>
@@ -2928,7 +2933,7 @@
           <a:p>
             <a:fld id="{0652006C-A98F-4575-BA89-CA4CC11501AD}" type="datetimeFigureOut">
               <a:rPr lang="da-DK" smtClean="0"/>
-              <a:t>01-06-2018</a:t>
+              <a:t>02-06-2018</a:t>
             </a:fld>
             <a:endParaRPr lang="da-DK"/>
           </a:p>
@@ -3515,6 +3520,7 @@
           <a:bodyPr/>
           <a:lstStyle/>
           <a:p>
+            <a:pPr algn="ctr"/>
             <a:r>
               <a:rPr lang="da-DK" dirty="0" err="1"/>
               <a:t>What</a:t>
@@ -3581,15 +3587,7 @@
             </a:r>
             <a:r>
               <a:rPr lang="en-US" dirty="0"/>
-              <a:t> </a:t>
-            </a:r>
-            <a:r>
-              <a:rPr lang="en-US" dirty="0" err="1"/>
-              <a:t>objecket</a:t>
-            </a:r>
-            <a:r>
-              <a:rPr lang="en-US" dirty="0"/>
-              <a:t> </a:t>
+              <a:t> object </a:t>
             </a:r>
             <a:r>
               <a:rPr lang="da-DK" dirty="0"/>
@@ -3776,6 +3774,7 @@
           <a:bodyPr/>
           <a:lstStyle/>
           <a:p>
+            <a:pPr algn="ctr"/>
             <a:r>
               <a:rPr lang="da-DK" dirty="0"/>
               <a:t>How </a:t>
@@ -3919,6 +3918,7 @@
           <a:bodyPr/>
           <a:lstStyle/>
           <a:p>
+            <a:pPr algn="ctr"/>
             <a:r>
               <a:rPr lang="en-US" dirty="0"/>
               <a:t>Examples of usage with use of the </a:t>
